--- a/lesson-react-60-debugging/react-debugging.pptx
+++ b/lesson-react-60-debugging/react-debugging.pptx
@@ -1954,7 +1954,7 @@
           <a:noFill/>
           <a:extLst>
             <a:ext uri="{909E8E84-426E-40dd-AFC4-6F175D3DCCD1}">
-              <a14:hiddenFill xmlns:a14="http://schemas.microsoft.com/office/drawing/2010/main" xmlns="">
+              <a14:hiddenFill xmlns="" xmlns:a14="http://schemas.microsoft.com/office/drawing/2010/main">
                 <a:solidFill>
                   <a:srgbClr val="FFFFFF"/>
                 </a:solidFill>
@@ -10639,7 +10639,19 @@
             </a:pPr>
             <a:r>
               <a:rPr lang="en-US" dirty="0" smtClean="0"/>
-              <a:t>Use the solutions/debugging folder</a:t>
+              <a:t>Use the </a:t>
+            </a:r>
+            <a:r>
+              <a:rPr lang="en-US" dirty="0" smtClean="0">
+                <a:solidFill>
+                  <a:srgbClr val="FF0000"/>
+                </a:solidFill>
+              </a:rPr>
+              <a:t>solutions/debugging</a:t>
+            </a:r>
+            <a:r>
+              <a:rPr lang="en-US" dirty="0" smtClean="0"/>
+              <a:t> folder</a:t>
             </a:r>
           </a:p>
           <a:p>
@@ -10649,13 +10661,29 @@
             </a:pPr>
             <a:r>
               <a:rPr lang="en-US" dirty="0" smtClean="0"/>
-              <a:t>Install react-</a:t>
-            </a:r>
-            <a:r>
-              <a:rPr lang="en-US" dirty="0" err="1" smtClean="0"/>
+              <a:t>Install </a:t>
+            </a:r>
+            <a:r>
+              <a:rPr lang="en-US" dirty="0" smtClean="0">
+                <a:solidFill>
+                  <a:srgbClr val="FF0000"/>
+                </a:solidFill>
+              </a:rPr>
+              <a:t>react-</a:t>
+            </a:r>
+            <a:r>
+              <a:rPr lang="en-US" dirty="0" err="1" smtClean="0">
+                <a:solidFill>
+                  <a:srgbClr val="FF0000"/>
+                </a:solidFill>
+              </a:rPr>
               <a:t>devtools</a:t>
             </a:r>
-            <a:endParaRPr lang="en-US" dirty="0" smtClean="0"/>
+            <a:endParaRPr lang="en-US" dirty="0" smtClean="0">
+              <a:solidFill>
+                <a:srgbClr val="FF0000"/>
+              </a:solidFill>
+            </a:endParaRPr>
           </a:p>
           <a:p>
             <a:pPr marL="342900" indent="-342900">
@@ -10676,7 +10704,6 @@
               <a:rPr lang="en-US" dirty="0" smtClean="0"/>
               <a:t>View the &lt;Hidden&gt; props and state</a:t>
             </a:r>
-            <a:endParaRPr lang="en-US" dirty="0" smtClean="0"/>
           </a:p>
         </p:txBody>
       </p:sp>
@@ -10789,7 +10816,19 @@
             </a:pPr>
             <a:r>
               <a:rPr lang="en-US" dirty="0" smtClean="0"/>
-              <a:t>Generated using ‘create-react-app’</a:t>
+              <a:t>Generated using ‘</a:t>
+            </a:r>
+            <a:r>
+              <a:rPr lang="en-US" dirty="0" smtClean="0">
+                <a:solidFill>
+                  <a:srgbClr val="FF0000"/>
+                </a:solidFill>
+              </a:rPr>
+              <a:t>create-react-app</a:t>
+            </a:r>
+            <a:r>
+              <a:rPr lang="en-US" dirty="0" smtClean="0"/>
+              <a:t>’</a:t>
             </a:r>
           </a:p>
           <a:p>
@@ -10817,10 +10856,22 @@
             </a:pPr>
             <a:r>
               <a:rPr lang="en-US" dirty="0" smtClean="0"/>
-              <a:t>Debugging React Components using ‘react-</a:t>
-            </a:r>
-            <a:r>
-              <a:rPr lang="en-US" dirty="0" err="1" smtClean="0"/>
+              <a:t>Debugging React Components using ‘</a:t>
+            </a:r>
+            <a:r>
+              <a:rPr lang="en-US" dirty="0" smtClean="0">
+                <a:solidFill>
+                  <a:srgbClr val="FF0000"/>
+                </a:solidFill>
+              </a:rPr>
+              <a:t>react-</a:t>
+            </a:r>
+            <a:r>
+              <a:rPr lang="en-US" dirty="0" err="1" smtClean="0">
+                <a:solidFill>
+                  <a:srgbClr val="FF0000"/>
+                </a:solidFill>
+              </a:rPr>
               <a:t>devtools</a:t>
             </a:r>
             <a:r>
@@ -11267,11 +11318,7 @@
             </a:r>
             <a:r>
               <a:rPr lang="en-US" sz="2000" dirty="0" smtClean="0"/>
-              <a:t>’ event should change the attribute </a:t>
-            </a:r>
-            <a:r>
-              <a:rPr lang="en-US" sz="2000" dirty="0" smtClean="0"/>
-              <a:t>value</a:t>
+              <a:t>’ event should change the attribute value</a:t>
             </a:r>
           </a:p>
           <a:p>
@@ -11283,7 +11330,6 @@
               <a:rPr lang="en-US" sz="1600" dirty="0" smtClean="0"/>
               <a:t>Calls the toggle() function</a:t>
             </a:r>
-            <a:endParaRPr lang="en-US" sz="1600" dirty="0" smtClean="0"/>
           </a:p>
           <a:p>
             <a:pPr marL="342900" indent="-342900">
@@ -11294,7 +11340,6 @@
               <a:rPr lang="en-US" sz="2000" dirty="0" smtClean="0"/>
               <a:t>Put a breakpoint on line 22 in the toggle() function</a:t>
             </a:r>
-            <a:endParaRPr lang="en-US" sz="2000" dirty="0" smtClean="0"/>
           </a:p>
         </p:txBody>
       </p:sp>
@@ -11415,7 +11460,15 @@
             </a:pPr>
             <a:r>
               <a:rPr lang="en-US" dirty="0" smtClean="0"/>
-              <a:t>Use the app in solutions/debugging </a:t>
+              <a:t>Use the app in </a:t>
+            </a:r>
+            <a:r>
+              <a:rPr lang="en-US" dirty="0" smtClean="0">
+                <a:solidFill>
+                  <a:srgbClr val="FF0000"/>
+                </a:solidFill>
+              </a:rPr>
+              <a:t>solutions/debugging </a:t>
             </a:r>
           </a:p>
           <a:p>
@@ -11722,12 +11775,24 @@
               <a:t>Select the </a:t>
             </a:r>
             <a:r>
-              <a:rPr lang="en-US" dirty="0" err="1" smtClean="0"/>
+              <a:rPr lang="en-US" dirty="0" err="1" smtClean="0">
+                <a:solidFill>
+                  <a:srgbClr val="FF0000"/>
+                </a:solidFill>
+              </a:rPr>
               <a:t>Hidden.js</a:t>
             </a:r>
             <a:r>
-              <a:rPr lang="en-US" dirty="0" smtClean="0"/>
-              <a:t> component</a:t>
+              <a:rPr lang="en-US" dirty="0" smtClean="0">
+                <a:solidFill>
+                  <a:srgbClr val="FF0000"/>
+                </a:solidFill>
+              </a:rPr>
+              <a:t> </a:t>
+            </a:r>
+            <a:r>
+              <a:rPr lang="en-US" dirty="0" smtClean="0"/>
+              <a:t>component</a:t>
             </a:r>
           </a:p>
           <a:p>
@@ -11987,10 +12052,22 @@
             </a:pPr>
             <a:r>
               <a:rPr lang="en-US" dirty="0" smtClean="0"/>
-              <a:t>Install ‘react-</a:t>
-            </a:r>
-            <a:r>
-              <a:rPr lang="en-US" dirty="0" err="1" smtClean="0"/>
+              <a:t>Install ‘</a:t>
+            </a:r>
+            <a:r>
+              <a:rPr lang="en-US" dirty="0" smtClean="0">
+                <a:solidFill>
+                  <a:srgbClr val="FF0000"/>
+                </a:solidFill>
+              </a:rPr>
+              <a:t>react-</a:t>
+            </a:r>
+            <a:r>
+              <a:rPr lang="en-US" dirty="0" err="1" smtClean="0">
+                <a:solidFill>
+                  <a:srgbClr val="FF0000"/>
+                </a:solidFill>
+              </a:rPr>
               <a:t>devtools</a:t>
             </a:r>
             <a:r>

--- a/lesson-react-60-debugging/react-debugging.pptx
+++ b/lesson-react-60-debugging/react-debugging.pptx
@@ -1954,7 +1954,7 @@
           <a:noFill/>
           <a:extLst>
             <a:ext uri="{909E8E84-426E-40dd-AFC4-6F175D3DCCD1}">
-              <a14:hiddenFill xmlns="" xmlns:a14="http://schemas.microsoft.com/office/drawing/2010/main">
+              <a14:hiddenFill xmlns:a14="http://schemas.microsoft.com/office/drawing/2010/main" xmlns="">
                 <a:solidFill>
                   <a:srgbClr val="FFFFFF"/>
                 </a:solidFill>
@@ -11338,7 +11338,19 @@
             </a:pPr>
             <a:r>
               <a:rPr lang="en-US" sz="2000" dirty="0" smtClean="0"/>
-              <a:t>Put a breakpoint on line 22 in the toggle() function</a:t>
+              <a:t>Put a breakpoint on </a:t>
+            </a:r>
+            <a:r>
+              <a:rPr lang="en-US" sz="2000" smtClean="0"/>
+              <a:t>line </a:t>
+            </a:r>
+            <a:r>
+              <a:rPr lang="en-US" sz="2000" smtClean="0"/>
+              <a:t>21 </a:t>
+            </a:r>
+            <a:r>
+              <a:rPr lang="en-US" sz="2000" dirty="0" smtClean="0"/>
+              <a:t>in the toggle() function</a:t>
             </a:r>
           </a:p>
         </p:txBody>
